--- a/xmind/VIB_Part5.pptx
+++ b/xmind/VIB_Part5.pptx
@@ -5,7 +5,7 @@
     <p:sldMasterId id="2147483662" r:id="rId1"/>
   </p:sldMasterIdLst>
   <p:notesMasterIdLst>
-    <p:notesMasterId r:id="rId44"/>
+    <p:notesMasterId r:id="rId51"/>
   </p:notesMasterIdLst>
   <p:sldIdLst>
     <p:sldId id="256" r:id="rId2"/>
@@ -48,8 +48,15 @@
     <p:sldId id="334" r:id="rId39"/>
     <p:sldId id="336" r:id="rId40"/>
     <p:sldId id="335" r:id="rId41"/>
-    <p:sldId id="295" r:id="rId42"/>
-    <p:sldId id="264" r:id="rId43"/>
+    <p:sldId id="337" r:id="rId42"/>
+    <p:sldId id="338" r:id="rId43"/>
+    <p:sldId id="339" r:id="rId44"/>
+    <p:sldId id="340" r:id="rId45"/>
+    <p:sldId id="341" r:id="rId46"/>
+    <p:sldId id="342" r:id="rId47"/>
+    <p:sldId id="295" r:id="rId48"/>
+    <p:sldId id="343" r:id="rId49"/>
+    <p:sldId id="264" r:id="rId50"/>
   </p:sldIdLst>
   <p:sldSz cx="9144000" cy="6858000" type="screen4x3"/>
   <p:notesSz cx="6858000" cy="9144000"/>
@@ -3857,7 +3864,7 @@
           <a:p>
             <a:fld id="{D646A940-0B55-4A74-A322-77202D9E85AF}" type="datetimeFigureOut">
               <a:rPr lang="en-US" smtClean="0"/>
-              <a:t>7/21/2015</a:t>
+              <a:t>7/22/2015</a:t>
             </a:fld>
             <a:endParaRPr lang="en-US"/>
           </a:p>
@@ -4213,7 +4220,7 @@
                   <a:spcPct val="0"/>
                 </a:spcAft>
               </a:pPr>
-              <a:t>41</a:t>
+              <a:t>47</a:t>
             </a:fld>
             <a:endParaRPr lang="en-US" dirty="0">
               <a:solidFill>
@@ -4221,6 +4228,93 @@
               </a:solidFill>
               <a:latin typeface="Arial" charset="0"/>
             </a:endParaRPr>
+          </a:p>
+        </p:txBody>
+      </p:sp>
+    </p:spTree>
+  </p:cSld>
+  <p:clrMapOvr>
+    <a:masterClrMapping/>
+  </p:clrMapOvr>
+</p:notes>
+</file>
+
+<file path=ppt/notesSlides/notesSlide2.xml><?xml version="1.0" encoding="utf-8"?>
+<p:notes xmlns:a="http://schemas.openxmlformats.org/drawingml/2006/main" xmlns:r="http://schemas.openxmlformats.org/officeDocument/2006/relationships" xmlns:p="http://schemas.openxmlformats.org/presentationml/2006/main">
+  <p:cSld>
+    <p:spTree>
+      <p:nvGrpSpPr>
+        <p:cNvPr id="1" name=""/>
+        <p:cNvGrpSpPr/>
+        <p:nvPr/>
+      </p:nvGrpSpPr>
+      <p:grpSpPr>
+        <a:xfrm>
+          <a:off x="0" y="0"/>
+          <a:ext cx="0" cy="0"/>
+          <a:chOff x="0" y="0"/>
+          <a:chExt cx="0" cy="0"/>
+        </a:xfrm>
+      </p:grpSpPr>
+      <p:sp>
+        <p:nvSpPr>
+          <p:cNvPr id="2" name="Slide Image Placeholder 1"/>
+          <p:cNvSpPr>
+            <a:spLocks noGrp="1" noRot="1" noChangeAspect="1"/>
+          </p:cNvSpPr>
+          <p:nvPr>
+            <p:ph type="sldImg"/>
+          </p:nvPr>
+        </p:nvSpPr>
+        <p:spPr/>
+      </p:sp>
+      <p:sp>
+        <p:nvSpPr>
+          <p:cNvPr id="3" name="Notes Placeholder 2"/>
+          <p:cNvSpPr>
+            <a:spLocks noGrp="1"/>
+          </p:cNvSpPr>
+          <p:nvPr>
+            <p:ph type="body" idx="1"/>
+          </p:nvPr>
+        </p:nvSpPr>
+        <p:spPr/>
+        <p:txBody>
+          <a:bodyPr>
+            <a:normAutofit/>
+          </a:bodyPr>
+          <a:lstStyle/>
+          <a:p>
+            <a:endParaRPr lang="en-US" dirty="0"/>
+          </a:p>
+        </p:txBody>
+      </p:sp>
+      <p:sp>
+        <p:nvSpPr>
+          <p:cNvPr id="4" name="Slide Number Placeholder 3"/>
+          <p:cNvSpPr>
+            <a:spLocks noGrp="1"/>
+          </p:cNvSpPr>
+          <p:nvPr>
+            <p:ph type="sldNum" sz="quarter" idx="10"/>
+          </p:nvPr>
+        </p:nvSpPr>
+        <p:spPr/>
+        <p:txBody>
+          <a:bodyPr/>
+          <a:lstStyle/>
+          <a:p>
+            <a:pPr>
+              <a:defRPr/>
+            </a:pPr>
+            <a:fld id="{0060DC65-F45B-41F3-807F-FD6288BCE9C6}" type="slidenum">
+              <a:rPr lang="en-US" smtClean="0"/>
+              <a:pPr>
+                <a:defRPr/>
+              </a:pPr>
+              <a:t>48</a:t>
+            </a:fld>
+            <a:endParaRPr lang="en-US" dirty="0"/>
           </a:p>
         </p:txBody>
       </p:sp>
@@ -4670,7 +4764,7 @@
           <a:p>
             <a:fld id="{DE232201-B8D7-452C-8AB1-80042270467A}" type="datetimeFigureOut">
               <a:rPr lang="en-US" smtClean="0"/>
-              <a:t>7/21/2015</a:t>
+              <a:t>7/22/2015</a:t>
             </a:fld>
             <a:endParaRPr lang="en-US"/>
           </a:p>
@@ -4971,7 +5065,7 @@
           <a:p>
             <a:fld id="{DE232201-B8D7-452C-8AB1-80042270467A}" type="datetimeFigureOut">
               <a:rPr lang="en-US" smtClean="0"/>
-              <a:t>7/21/2015</a:t>
+              <a:t>7/22/2015</a:t>
             </a:fld>
             <a:endParaRPr lang="en-US"/>
           </a:p>
@@ -5113,7 +5207,7 @@
           <a:p>
             <a:fld id="{DE232201-B8D7-452C-8AB1-80042270467A}" type="datetimeFigureOut">
               <a:rPr lang="en-US" smtClean="0"/>
-              <a:t>7/21/2015</a:t>
+              <a:t>7/22/2015</a:t>
             </a:fld>
             <a:endParaRPr lang="en-US"/>
           </a:p>
@@ -5225,7 +5319,7 @@
           <a:p>
             <a:fld id="{DE232201-B8D7-452C-8AB1-80042270467A}" type="datetimeFigureOut">
               <a:rPr lang="en-US" smtClean="0"/>
-              <a:t>7/21/2015</a:t>
+              <a:t>7/22/2015</a:t>
             </a:fld>
             <a:endParaRPr lang="en-US"/>
           </a:p>
@@ -5530,7 +5624,7 @@
           <a:p>
             <a:fld id="{DE232201-B8D7-452C-8AB1-80042270467A}" type="datetimeFigureOut">
               <a:rPr lang="en-US" smtClean="0"/>
-              <a:t>7/21/2015</a:t>
+              <a:t>7/22/2015</a:t>
             </a:fld>
             <a:endParaRPr lang="en-US"/>
           </a:p>
@@ -5992,7 +6086,7 @@
           <a:p>
             <a:fld id="{DE232201-B8D7-452C-8AB1-80042270467A}" type="datetimeFigureOut">
               <a:rPr lang="en-US" smtClean="0"/>
-              <a:t>7/21/2015</a:t>
+              <a:t>7/22/2015</a:t>
             </a:fld>
             <a:endParaRPr lang="en-US"/>
           </a:p>
@@ -6266,7 +6360,7 @@
           <a:p>
             <a:fld id="{DE232201-B8D7-452C-8AB1-80042270467A}" type="datetimeFigureOut">
               <a:rPr lang="en-US" smtClean="0"/>
-              <a:t>7/21/2015</a:t>
+              <a:t>7/22/2015</a:t>
             </a:fld>
             <a:endParaRPr lang="en-US"/>
           </a:p>
@@ -6586,7 +6680,7 @@
           <a:p>
             <a:fld id="{DE232201-B8D7-452C-8AB1-80042270467A}" type="datetimeFigureOut">
               <a:rPr lang="en-US" smtClean="0"/>
-              <a:t>7/21/2015</a:t>
+              <a:t>7/22/2015</a:t>
             </a:fld>
             <a:endParaRPr lang="en-US"/>
           </a:p>
@@ -10932,7 +11026,7 @@
         <p:spPr>
           <a:xfrm>
             <a:off x="449263" y="1598613"/>
-            <a:ext cx="8229600" cy="892552"/>
+            <a:ext cx="8229600" cy="2739211"/>
           </a:xfrm>
         </p:spPr>
         <p:txBody>
@@ -10946,8 +11040,48 @@
           </a:p>
           <a:p>
             <a:r>
-              <a:rPr lang="en-US" smtClean="0"/>
-              <a:t>But </a:t>
+              <a:rPr lang="en-US" dirty="0" smtClean="0"/>
+              <a:t>Add More:</a:t>
+            </a:r>
+          </a:p>
+          <a:p>
+            <a:pPr lvl="1"/>
+            <a:r>
+              <a:rPr lang="en-US" dirty="0" smtClean="0"/>
+              <a:t>Authentication</a:t>
+            </a:r>
+          </a:p>
+          <a:p>
+            <a:pPr lvl="1"/>
+            <a:r>
+              <a:rPr lang="en-US" dirty="0" smtClean="0"/>
+              <a:t>Session Manager</a:t>
+            </a:r>
+          </a:p>
+          <a:p>
+            <a:pPr lvl="1"/>
+            <a:r>
+              <a:rPr lang="en-US" dirty="0" smtClean="0"/>
+              <a:t>Access Control (Authorization)</a:t>
+            </a:r>
+          </a:p>
+          <a:p>
+            <a:pPr lvl="1"/>
+            <a:r>
+              <a:rPr lang="en-US" dirty="0" smtClean="0"/>
+              <a:t>Don`t use same account for </a:t>
+            </a:r>
+            <a:r>
+              <a:rPr lang="en-US" dirty="0" err="1" smtClean="0"/>
+              <a:t>webservices</a:t>
+            </a:r>
+            <a:endParaRPr lang="en-US" dirty="0" smtClean="0"/>
+          </a:p>
+          <a:p>
+            <a:pPr lvl="1"/>
+            <a:r>
+              <a:rPr lang="en-US" dirty="0"/>
+              <a:t>Disable XML External Entity </a:t>
             </a:r>
             <a:endParaRPr lang="en-US" dirty="0"/>
           </a:p>
@@ -10967,6 +11101,1315 @@
 </file>
 
 <file path=ppt/slides/slide41.xml><?xml version="1.0" encoding="utf-8"?>
+<p:sld xmlns:a="http://schemas.openxmlformats.org/drawingml/2006/main" xmlns:r="http://schemas.openxmlformats.org/officeDocument/2006/relationships" xmlns:p="http://schemas.openxmlformats.org/presentationml/2006/main">
+  <p:cSld>
+    <p:spTree>
+      <p:nvGrpSpPr>
+        <p:cNvPr id="1" name=""/>
+        <p:cNvGrpSpPr/>
+        <p:nvPr/>
+      </p:nvGrpSpPr>
+      <p:grpSpPr>
+        <a:xfrm>
+          <a:off x="0" y="0"/>
+          <a:ext cx="0" cy="0"/>
+          <a:chOff x="0" y="0"/>
+          <a:chExt cx="0" cy="0"/>
+        </a:xfrm>
+      </p:grpSpPr>
+      <p:sp>
+        <p:nvSpPr>
+          <p:cNvPr id="2" name="Title 1"/>
+          <p:cNvSpPr>
+            <a:spLocks noGrp="1"/>
+          </p:cNvSpPr>
+          <p:nvPr>
+            <p:ph type="title"/>
+          </p:nvPr>
+        </p:nvSpPr>
+        <p:spPr/>
+        <p:txBody>
+          <a:bodyPr/>
+          <a:lstStyle/>
+          <a:p>
+            <a:r>
+              <a:rPr lang="en-US" dirty="0"/>
+              <a:t>Authentication</a:t>
+            </a:r>
+          </a:p>
+        </p:txBody>
+      </p:sp>
+      <p:sp>
+        <p:nvSpPr>
+          <p:cNvPr id="3" name="Content Placeholder 2"/>
+          <p:cNvSpPr>
+            <a:spLocks noGrp="1"/>
+          </p:cNvSpPr>
+          <p:nvPr>
+            <p:ph idx="1"/>
+          </p:nvPr>
+        </p:nvSpPr>
+        <p:spPr>
+          <a:xfrm>
+            <a:off x="449263" y="1598613"/>
+            <a:ext cx="8229600" cy="4308872"/>
+          </a:xfrm>
+        </p:spPr>
+        <p:txBody>
+          <a:bodyPr/>
+          <a:lstStyle/>
+          <a:p>
+            <a:r>
+              <a:rPr lang="en-US" dirty="0" smtClean="0"/>
+              <a:t>Use username/password to Authentication with Web Services</a:t>
+            </a:r>
+          </a:p>
+          <a:p>
+            <a:pPr lvl="1"/>
+            <a:r>
+              <a:rPr lang="en-US" dirty="0"/>
+              <a:t>Web Service </a:t>
+            </a:r>
+            <a:r>
+              <a:rPr lang="en-US" dirty="0" smtClean="0"/>
+              <a:t>Stateless</a:t>
+            </a:r>
+          </a:p>
+          <a:p>
+            <a:pPr lvl="1"/>
+            <a:r>
+              <a:rPr lang="en-US" dirty="0"/>
+              <a:t>Web Service </a:t>
+            </a:r>
+            <a:r>
+              <a:rPr lang="en-US" dirty="0" err="1" smtClean="0"/>
+              <a:t>Stateful</a:t>
+            </a:r>
+            <a:endParaRPr lang="en-US" dirty="0" smtClean="0"/>
+          </a:p>
+          <a:p>
+            <a:pPr lvl="1"/>
+            <a:r>
+              <a:rPr lang="en-US" dirty="0" smtClean="0"/>
+              <a:t>Username is unique</a:t>
+            </a:r>
+          </a:p>
+          <a:p>
+            <a:r>
+              <a:rPr lang="en-US" dirty="0" smtClean="0"/>
+              <a:t>Limit Access</a:t>
+            </a:r>
+          </a:p>
+          <a:p>
+            <a:pPr lvl="1"/>
+            <a:r>
+              <a:rPr lang="en-US" dirty="0" smtClean="0"/>
+              <a:t>By IP Address</a:t>
+            </a:r>
+          </a:p>
+          <a:p>
+            <a:endParaRPr lang="en-US" dirty="0"/>
+          </a:p>
+          <a:p>
+            <a:endParaRPr lang="en-US" dirty="0" smtClean="0"/>
+          </a:p>
+          <a:p>
+            <a:endParaRPr lang="en-US" dirty="0"/>
+          </a:p>
+        </p:txBody>
+      </p:sp>
+    </p:spTree>
+    <p:extLst>
+      <p:ext uri="{BB962C8B-B14F-4D97-AF65-F5344CB8AC3E}">
+        <p14:creationId xmlns:p14="http://schemas.microsoft.com/office/powerpoint/2010/main" val="4190962638"/>
+      </p:ext>
+    </p:extLst>
+  </p:cSld>
+  <p:clrMapOvr>
+    <a:masterClrMapping/>
+  </p:clrMapOvr>
+</p:sld>
+</file>
+
+<file path=ppt/slides/slide42.xml><?xml version="1.0" encoding="utf-8"?>
+<p:sld xmlns:a="http://schemas.openxmlformats.org/drawingml/2006/main" xmlns:r="http://schemas.openxmlformats.org/officeDocument/2006/relationships" xmlns:p="http://schemas.openxmlformats.org/presentationml/2006/main">
+  <p:cSld>
+    <p:spTree>
+      <p:nvGrpSpPr>
+        <p:cNvPr id="1" name=""/>
+        <p:cNvGrpSpPr/>
+        <p:nvPr/>
+      </p:nvGrpSpPr>
+      <p:grpSpPr>
+        <a:xfrm>
+          <a:off x="0" y="0"/>
+          <a:ext cx="0" cy="0"/>
+          <a:chOff x="0" y="0"/>
+          <a:chExt cx="0" cy="0"/>
+        </a:xfrm>
+      </p:grpSpPr>
+      <p:sp>
+        <p:nvSpPr>
+          <p:cNvPr id="2" name="Title 1"/>
+          <p:cNvSpPr>
+            <a:spLocks noGrp="1"/>
+          </p:cNvSpPr>
+          <p:nvPr>
+            <p:ph type="title"/>
+          </p:nvPr>
+        </p:nvSpPr>
+        <p:spPr/>
+        <p:txBody>
+          <a:bodyPr/>
+          <a:lstStyle/>
+          <a:p>
+            <a:r>
+              <a:rPr lang="en-US" dirty="0"/>
+              <a:t>Session Manager </a:t>
+            </a:r>
+            <a:r>
+              <a:rPr lang="en-US" dirty="0" smtClean="0"/>
+              <a:t>(Web </a:t>
+            </a:r>
+            <a:r>
+              <a:rPr lang="en-US" dirty="0"/>
+              <a:t>services </a:t>
+            </a:r>
+            <a:r>
+              <a:rPr lang="en-US" dirty="0" err="1"/>
+              <a:t>stateful</a:t>
+            </a:r>
+            <a:r>
+              <a:rPr lang="en-US" dirty="0"/>
+              <a:t>)</a:t>
+            </a:r>
+          </a:p>
+        </p:txBody>
+      </p:sp>
+      <p:sp>
+        <p:nvSpPr>
+          <p:cNvPr id="3" name="Content Placeholder 2"/>
+          <p:cNvSpPr>
+            <a:spLocks noGrp="1"/>
+          </p:cNvSpPr>
+          <p:nvPr>
+            <p:ph idx="1"/>
+          </p:nvPr>
+        </p:nvSpPr>
+        <p:spPr>
+          <a:xfrm>
+            <a:off x="449263" y="1598613"/>
+            <a:ext cx="8229600" cy="1846659"/>
+          </a:xfrm>
+        </p:spPr>
+        <p:txBody>
+          <a:bodyPr/>
+          <a:lstStyle/>
+          <a:p>
+            <a:r>
+              <a:rPr lang="en-US" dirty="0" smtClean="0"/>
+              <a:t>Token generate</a:t>
+            </a:r>
+          </a:p>
+          <a:p>
+            <a:pPr lvl="1"/>
+            <a:r>
+              <a:rPr lang="en-US" dirty="0" smtClean="0"/>
+              <a:t>Long</a:t>
+            </a:r>
+          </a:p>
+          <a:p>
+            <a:pPr lvl="1"/>
+            <a:r>
+              <a:rPr lang="en-US" dirty="0" smtClean="0"/>
+              <a:t>Random</a:t>
+            </a:r>
+          </a:p>
+          <a:p>
+            <a:pPr lvl="1"/>
+            <a:r>
+              <a:rPr lang="en-US" dirty="0" smtClean="0"/>
+              <a:t>Can not predict</a:t>
+            </a:r>
+          </a:p>
+          <a:p>
+            <a:pPr lvl="1"/>
+            <a:r>
+              <a:rPr lang="en-US" dirty="0" smtClean="0"/>
+              <a:t>Use safe lib: CVE detail, Exploit-DB…</a:t>
+            </a:r>
+            <a:endParaRPr lang="en-US" dirty="0"/>
+          </a:p>
+        </p:txBody>
+      </p:sp>
+      <p:sp>
+        <p:nvSpPr>
+          <p:cNvPr id="4" name="Rectangle 3"/>
+          <p:cNvSpPr/>
+          <p:nvPr/>
+        </p:nvSpPr>
+        <p:spPr>
+          <a:xfrm>
+            <a:off x="2133600" y="3657600"/>
+            <a:ext cx="6324600" cy="2209800"/>
+          </a:xfrm>
+          <a:prstGeom prst="rect">
+            <a:avLst/>
+          </a:prstGeom>
+        </p:spPr>
+        <p:style>
+          <a:lnRef idx="2">
+            <a:schemeClr val="accent5">
+              <a:shade val="50000"/>
+            </a:schemeClr>
+          </a:lnRef>
+          <a:fillRef idx="1">
+            <a:schemeClr val="accent5"/>
+          </a:fillRef>
+          <a:effectRef idx="0">
+            <a:schemeClr val="accent5"/>
+          </a:effectRef>
+          <a:fontRef idx="minor">
+            <a:schemeClr val="lt1"/>
+          </a:fontRef>
+        </p:style>
+        <p:txBody>
+          <a:bodyPr rtlCol="0" anchor="ctr"/>
+          <a:lstStyle/>
+          <a:p>
+            <a:r>
+              <a:rPr lang="en-US" dirty="0" err="1"/>
+              <a:t>SecureRandom</a:t>
+            </a:r>
+            <a:r>
+              <a:rPr lang="en-US" dirty="0"/>
+              <a:t> </a:t>
+            </a:r>
+            <a:r>
+              <a:rPr lang="en-US" dirty="0" err="1"/>
+              <a:t>prng</a:t>
+            </a:r>
+            <a:r>
+              <a:rPr lang="en-US" dirty="0"/>
+              <a:t> = </a:t>
+            </a:r>
+            <a:r>
+              <a:rPr lang="en-US" dirty="0" err="1"/>
+              <a:t>SecureRandom.getInstance</a:t>
+            </a:r>
+            <a:r>
+              <a:rPr lang="en-US" dirty="0"/>
+              <a:t>("SHA1PRNG");</a:t>
+            </a:r>
+          </a:p>
+          <a:p>
+            <a:r>
+              <a:rPr lang="en-US" dirty="0"/>
+              <a:t>String </a:t>
+            </a:r>
+            <a:r>
+              <a:rPr lang="en-US" dirty="0" err="1"/>
+              <a:t>randomNum</a:t>
+            </a:r>
+            <a:r>
+              <a:rPr lang="en-US" dirty="0"/>
+              <a:t> = new Integer(</a:t>
+            </a:r>
+            <a:r>
+              <a:rPr lang="en-US" dirty="0" err="1"/>
+              <a:t>prng.nextInt</a:t>
+            </a:r>
+            <a:r>
+              <a:rPr lang="en-US" dirty="0"/>
+              <a:t>()).</a:t>
+            </a:r>
+            <a:r>
+              <a:rPr lang="en-US" dirty="0" err="1"/>
+              <a:t>toString</a:t>
+            </a:r>
+            <a:r>
+              <a:rPr lang="en-US" dirty="0"/>
+              <a:t>();</a:t>
+            </a:r>
+          </a:p>
+          <a:p>
+            <a:r>
+              <a:rPr lang="en-US" dirty="0" err="1"/>
+              <a:t>MessageDigest</a:t>
+            </a:r>
+            <a:r>
+              <a:rPr lang="en-US" dirty="0"/>
+              <a:t> </a:t>
+            </a:r>
+            <a:r>
+              <a:rPr lang="en-US" dirty="0" err="1"/>
+              <a:t>sha</a:t>
+            </a:r>
+            <a:r>
+              <a:rPr lang="en-US" dirty="0"/>
+              <a:t> = </a:t>
+            </a:r>
+            <a:r>
+              <a:rPr lang="en-US" dirty="0" err="1"/>
+              <a:t>MessageDigest.getInstance</a:t>
+            </a:r>
+            <a:r>
+              <a:rPr lang="en-US" dirty="0"/>
+              <a:t>("SHA-1");</a:t>
+            </a:r>
+          </a:p>
+          <a:p>
+            <a:r>
+              <a:rPr lang="en-US" dirty="0"/>
+              <a:t>byte[] bytes = </a:t>
+            </a:r>
+            <a:r>
+              <a:rPr lang="en-US" dirty="0" err="1"/>
+              <a:t>sha.digest</a:t>
+            </a:r>
+            <a:r>
+              <a:rPr lang="en-US" dirty="0"/>
+              <a:t>(</a:t>
+            </a:r>
+            <a:r>
+              <a:rPr lang="en-US" dirty="0" err="1"/>
+              <a:t>randomNum.getBytes</a:t>
+            </a:r>
+            <a:r>
+              <a:rPr lang="en-US" dirty="0"/>
+              <a:t>());</a:t>
+            </a:r>
+          </a:p>
+          <a:p>
+            <a:r>
+              <a:rPr lang="en-US" dirty="0"/>
+              <a:t>String </a:t>
+            </a:r>
+            <a:r>
+              <a:rPr lang="en-US" dirty="0" err="1"/>
+              <a:t>session_token</a:t>
+            </a:r>
+            <a:r>
+              <a:rPr lang="en-US" dirty="0"/>
+              <a:t> = new BASE64Encoder().encode(bytes);</a:t>
+            </a:r>
+          </a:p>
+        </p:txBody>
+      </p:sp>
+    </p:spTree>
+    <p:extLst>
+      <p:ext uri="{BB962C8B-B14F-4D97-AF65-F5344CB8AC3E}">
+        <p14:creationId xmlns:p14="http://schemas.microsoft.com/office/powerpoint/2010/main" val="1057894082"/>
+      </p:ext>
+    </p:extLst>
+  </p:cSld>
+  <p:clrMapOvr>
+    <a:masterClrMapping/>
+  </p:clrMapOvr>
+</p:sld>
+</file>
+
+<file path=ppt/slides/slide43.xml><?xml version="1.0" encoding="utf-8"?>
+<p:sld xmlns:a="http://schemas.openxmlformats.org/drawingml/2006/main" xmlns:r="http://schemas.openxmlformats.org/officeDocument/2006/relationships" xmlns:p="http://schemas.openxmlformats.org/presentationml/2006/main">
+  <p:cSld>
+    <p:spTree>
+      <p:nvGrpSpPr>
+        <p:cNvPr id="1" name=""/>
+        <p:cNvGrpSpPr/>
+        <p:nvPr/>
+      </p:nvGrpSpPr>
+      <p:grpSpPr>
+        <a:xfrm>
+          <a:off x="0" y="0"/>
+          <a:ext cx="0" cy="0"/>
+          <a:chOff x="0" y="0"/>
+          <a:chExt cx="0" cy="0"/>
+        </a:xfrm>
+      </p:grpSpPr>
+      <p:sp>
+        <p:nvSpPr>
+          <p:cNvPr id="2" name="Title 1"/>
+          <p:cNvSpPr>
+            <a:spLocks noGrp="1"/>
+          </p:cNvSpPr>
+          <p:nvPr>
+            <p:ph type="title"/>
+          </p:nvPr>
+        </p:nvSpPr>
+        <p:spPr/>
+        <p:txBody>
+          <a:bodyPr/>
+          <a:lstStyle/>
+          <a:p>
+            <a:r>
+              <a:rPr lang="en-US" dirty="0"/>
+              <a:t>Session Manager (Web services </a:t>
+            </a:r>
+            <a:r>
+              <a:rPr lang="en-US" dirty="0" err="1"/>
+              <a:t>stateful</a:t>
+            </a:r>
+            <a:r>
+              <a:rPr lang="en-US" dirty="0"/>
+              <a:t>)</a:t>
+            </a:r>
+          </a:p>
+        </p:txBody>
+      </p:sp>
+      <p:sp>
+        <p:nvSpPr>
+          <p:cNvPr id="3" name="Content Placeholder 2"/>
+          <p:cNvSpPr>
+            <a:spLocks noGrp="1"/>
+          </p:cNvSpPr>
+          <p:nvPr>
+            <p:ph idx="1"/>
+          </p:nvPr>
+        </p:nvSpPr>
+        <p:spPr>
+          <a:xfrm>
+            <a:off x="449263" y="1598613"/>
+            <a:ext cx="8229600" cy="2215991"/>
+          </a:xfrm>
+        </p:spPr>
+        <p:txBody>
+          <a:bodyPr/>
+          <a:lstStyle/>
+          <a:p>
+            <a:r>
+              <a:rPr lang="en-US" dirty="0" smtClean="0"/>
+              <a:t>Use Token Security</a:t>
+            </a:r>
+          </a:p>
+          <a:p>
+            <a:pPr lvl="1"/>
+            <a:r>
+              <a:rPr lang="en-US" dirty="0" smtClean="0"/>
+              <a:t>Don`t sent via URL</a:t>
+            </a:r>
+          </a:p>
+          <a:p>
+            <a:pPr lvl="2"/>
+            <a:r>
+              <a:rPr lang="en-US" dirty="0" smtClean="0"/>
+              <a:t>HTTP Cookies</a:t>
+            </a:r>
+          </a:p>
+          <a:p>
+            <a:pPr lvl="2"/>
+            <a:r>
+              <a:rPr lang="en-US" dirty="0" smtClean="0"/>
+              <a:t>SOAP Message</a:t>
+            </a:r>
+          </a:p>
+          <a:p>
+            <a:pPr lvl="1"/>
+            <a:r>
+              <a:rPr lang="en-US" dirty="0" smtClean="0"/>
+              <a:t>Token timeout</a:t>
+            </a:r>
+          </a:p>
+          <a:p>
+            <a:pPr lvl="1"/>
+            <a:r>
+              <a:rPr lang="en-US" dirty="0" smtClean="0"/>
+              <a:t>Logout function </a:t>
+            </a:r>
+            <a:endParaRPr lang="en-US" dirty="0"/>
+          </a:p>
+        </p:txBody>
+      </p:sp>
+    </p:spTree>
+    <p:extLst>
+      <p:ext uri="{BB962C8B-B14F-4D97-AF65-F5344CB8AC3E}">
+        <p14:creationId xmlns:p14="http://schemas.microsoft.com/office/powerpoint/2010/main" val="4104923610"/>
+      </p:ext>
+    </p:extLst>
+  </p:cSld>
+  <p:clrMapOvr>
+    <a:masterClrMapping/>
+  </p:clrMapOvr>
+</p:sld>
+</file>
+
+<file path=ppt/slides/slide44.xml><?xml version="1.0" encoding="utf-8"?>
+<p:sld xmlns:a="http://schemas.openxmlformats.org/drawingml/2006/main" xmlns:r="http://schemas.openxmlformats.org/officeDocument/2006/relationships" xmlns:p="http://schemas.openxmlformats.org/presentationml/2006/main">
+  <p:cSld>
+    <p:spTree>
+      <p:nvGrpSpPr>
+        <p:cNvPr id="1" name=""/>
+        <p:cNvGrpSpPr/>
+        <p:nvPr/>
+      </p:nvGrpSpPr>
+      <p:grpSpPr>
+        <a:xfrm>
+          <a:off x="0" y="0"/>
+          <a:ext cx="0" cy="0"/>
+          <a:chOff x="0" y="0"/>
+          <a:chExt cx="0" cy="0"/>
+        </a:xfrm>
+      </p:grpSpPr>
+      <p:sp>
+        <p:nvSpPr>
+          <p:cNvPr id="2" name="Title 1"/>
+          <p:cNvSpPr>
+            <a:spLocks noGrp="1"/>
+          </p:cNvSpPr>
+          <p:nvPr>
+            <p:ph type="title"/>
+          </p:nvPr>
+        </p:nvSpPr>
+        <p:spPr/>
+        <p:txBody>
+          <a:bodyPr/>
+          <a:lstStyle/>
+          <a:p>
+            <a:r>
+              <a:rPr lang="en-US" dirty="0" smtClean="0"/>
+              <a:t>Access Control	</a:t>
+            </a:r>
+            <a:endParaRPr lang="en-US" dirty="0"/>
+          </a:p>
+        </p:txBody>
+      </p:sp>
+      <p:sp>
+        <p:nvSpPr>
+          <p:cNvPr id="3" name="Content Placeholder 2"/>
+          <p:cNvSpPr>
+            <a:spLocks noGrp="1"/>
+          </p:cNvSpPr>
+          <p:nvPr>
+            <p:ph idx="1"/>
+          </p:nvPr>
+        </p:nvSpPr>
+        <p:spPr>
+          <a:xfrm>
+            <a:off x="449263" y="1598613"/>
+            <a:ext cx="8229600" cy="2677656"/>
+          </a:xfrm>
+        </p:spPr>
+        <p:txBody>
+          <a:bodyPr/>
+          <a:lstStyle/>
+          <a:p>
+            <a:r>
+              <a:rPr lang="en-US" dirty="0" smtClean="0"/>
+              <a:t>User permission</a:t>
+            </a:r>
+          </a:p>
+          <a:p>
+            <a:pPr lvl="1"/>
+            <a:r>
+              <a:rPr lang="en-US" dirty="0" smtClean="0"/>
+              <a:t>By Function</a:t>
+            </a:r>
+          </a:p>
+          <a:p>
+            <a:pPr lvl="1"/>
+            <a:r>
+              <a:rPr lang="en-US" dirty="0" smtClean="0"/>
+              <a:t>By Data Access</a:t>
+            </a:r>
+          </a:p>
+          <a:p>
+            <a:r>
+              <a:rPr lang="en-US" dirty="0" smtClean="0"/>
+              <a:t>Same as Web Application</a:t>
+            </a:r>
+          </a:p>
+          <a:p>
+            <a:r>
+              <a:rPr lang="en-US" dirty="0" smtClean="0"/>
+              <a:t>Don`t use same Web Services Account</a:t>
+            </a:r>
+          </a:p>
+          <a:p>
+            <a:endParaRPr lang="en-US" dirty="0"/>
+          </a:p>
+        </p:txBody>
+      </p:sp>
+    </p:spTree>
+    <p:extLst>
+      <p:ext uri="{BB962C8B-B14F-4D97-AF65-F5344CB8AC3E}">
+        <p14:creationId xmlns:p14="http://schemas.microsoft.com/office/powerpoint/2010/main" val="639984649"/>
+      </p:ext>
+    </p:extLst>
+  </p:cSld>
+  <p:clrMapOvr>
+    <a:masterClrMapping/>
+  </p:clrMapOvr>
+</p:sld>
+</file>
+
+<file path=ppt/slides/slide45.xml><?xml version="1.0" encoding="utf-8"?>
+<p:sld xmlns:a="http://schemas.openxmlformats.org/drawingml/2006/main" xmlns:r="http://schemas.openxmlformats.org/officeDocument/2006/relationships" xmlns:p="http://schemas.openxmlformats.org/presentationml/2006/main">
+  <p:cSld>
+    <p:spTree>
+      <p:nvGrpSpPr>
+        <p:cNvPr id="1" name=""/>
+        <p:cNvGrpSpPr/>
+        <p:nvPr/>
+      </p:nvGrpSpPr>
+      <p:grpSpPr>
+        <a:xfrm>
+          <a:off x="0" y="0"/>
+          <a:ext cx="0" cy="0"/>
+          <a:chOff x="0" y="0"/>
+          <a:chExt cx="0" cy="0"/>
+        </a:xfrm>
+      </p:grpSpPr>
+      <p:sp>
+        <p:nvSpPr>
+          <p:cNvPr id="2" name="Title 1"/>
+          <p:cNvSpPr>
+            <a:spLocks noGrp="1"/>
+          </p:cNvSpPr>
+          <p:nvPr>
+            <p:ph type="title"/>
+          </p:nvPr>
+        </p:nvSpPr>
+        <p:spPr/>
+        <p:txBody>
+          <a:bodyPr/>
+          <a:lstStyle/>
+          <a:p>
+            <a:r>
+              <a:rPr lang="en-US" dirty="0"/>
+              <a:t>Disable XML External Entity </a:t>
+            </a:r>
+          </a:p>
+        </p:txBody>
+      </p:sp>
+      <p:sp>
+        <p:nvSpPr>
+          <p:cNvPr id="3" name="Content Placeholder 2"/>
+          <p:cNvSpPr>
+            <a:spLocks noGrp="1"/>
+          </p:cNvSpPr>
+          <p:nvPr>
+            <p:ph idx="1"/>
+          </p:nvPr>
+        </p:nvSpPr>
+        <p:spPr>
+          <a:xfrm>
+            <a:off x="449263" y="1598613"/>
+            <a:ext cx="8229600" cy="3847207"/>
+          </a:xfrm>
+        </p:spPr>
+        <p:txBody>
+          <a:bodyPr/>
+          <a:lstStyle/>
+          <a:p>
+            <a:r>
+              <a:rPr lang="en-US" dirty="0"/>
+              <a:t>Disable XML External Entity (XXE</a:t>
+            </a:r>
+            <a:r>
+              <a:rPr lang="en-US" dirty="0" smtClean="0"/>
+              <a:t>) in XML Parsing</a:t>
+            </a:r>
+          </a:p>
+          <a:p>
+            <a:r>
+              <a:rPr lang="en-US" dirty="0" smtClean="0"/>
+              <a:t>Java</a:t>
+            </a:r>
+          </a:p>
+          <a:p>
+            <a:pPr lvl="1"/>
+            <a:r>
+              <a:rPr lang="en-US" dirty="0"/>
+              <a:t>JAXP </a:t>
+            </a:r>
+            <a:r>
+              <a:rPr lang="en-US" dirty="0" err="1"/>
+              <a:t>DocumentBuilderFactory</a:t>
+            </a:r>
+            <a:r>
+              <a:rPr lang="en-US" dirty="0"/>
+              <a:t>  </a:t>
+            </a:r>
+            <a:r>
+              <a:rPr lang="en-US" dirty="0" smtClean="0"/>
+              <a:t>&amp; </a:t>
+            </a:r>
+            <a:r>
+              <a:rPr lang="en-US" dirty="0" err="1" smtClean="0"/>
+              <a:t>SAXParserFactory</a:t>
+            </a:r>
+            <a:endParaRPr lang="en-US" dirty="0" smtClean="0"/>
+          </a:p>
+          <a:p>
+            <a:pPr lvl="2"/>
+            <a:endParaRPr lang="en-US" dirty="0" smtClean="0"/>
+          </a:p>
+          <a:p>
+            <a:pPr lvl="1"/>
+            <a:endParaRPr lang="en-US" dirty="0" smtClean="0"/>
+          </a:p>
+          <a:p>
+            <a:pPr lvl="1"/>
+            <a:endParaRPr lang="en-US" dirty="0"/>
+          </a:p>
+          <a:p>
+            <a:pPr lvl="1"/>
+            <a:endParaRPr lang="en-US" dirty="0" smtClean="0"/>
+          </a:p>
+          <a:p>
+            <a:pPr lvl="1"/>
+            <a:endParaRPr lang="en-US" dirty="0"/>
+          </a:p>
+          <a:p>
+            <a:pPr lvl="1"/>
+            <a:endParaRPr lang="en-US" dirty="0" smtClean="0"/>
+          </a:p>
+          <a:p>
+            <a:pPr lvl="1"/>
+            <a:r>
+              <a:rPr lang="en-US" dirty="0" err="1" smtClean="0"/>
+              <a:t>StAX</a:t>
+            </a:r>
+            <a:r>
+              <a:rPr lang="en-US" dirty="0" smtClean="0"/>
+              <a:t> &amp; </a:t>
+            </a:r>
+            <a:r>
+              <a:rPr lang="en-US" dirty="0" err="1" smtClean="0"/>
+              <a:t>XMLInputFactory</a:t>
+            </a:r>
+            <a:endParaRPr lang="en-US" dirty="0" smtClean="0"/>
+          </a:p>
+        </p:txBody>
+      </p:sp>
+      <p:sp>
+        <p:nvSpPr>
+          <p:cNvPr id="4" name="Rectangle 3"/>
+          <p:cNvSpPr/>
+          <p:nvPr/>
+        </p:nvSpPr>
+        <p:spPr>
+          <a:xfrm>
+            <a:off x="1066800" y="2971800"/>
+            <a:ext cx="7086600" cy="2057400"/>
+          </a:xfrm>
+          <a:prstGeom prst="rect">
+            <a:avLst/>
+          </a:prstGeom>
+        </p:spPr>
+        <p:style>
+          <a:lnRef idx="2">
+            <a:schemeClr val="accent5">
+              <a:shade val="50000"/>
+            </a:schemeClr>
+          </a:lnRef>
+          <a:fillRef idx="1">
+            <a:schemeClr val="accent5"/>
+          </a:fillRef>
+          <a:effectRef idx="0">
+            <a:schemeClr val="accent5"/>
+          </a:effectRef>
+          <a:fontRef idx="minor">
+            <a:schemeClr val="lt1"/>
+          </a:fontRef>
+        </p:style>
+        <p:txBody>
+          <a:bodyPr rtlCol="0" anchor="ctr"/>
+          <a:lstStyle/>
+          <a:p>
+            <a:r>
+              <a:rPr lang="en-US" dirty="0" err="1"/>
+              <a:t>DocumentBuilderFactory</a:t>
+            </a:r>
+            <a:r>
+              <a:rPr lang="en-US" dirty="0"/>
+              <a:t> dbf = </a:t>
+            </a:r>
+            <a:r>
+              <a:rPr lang="en-US" dirty="0" err="1"/>
+              <a:t>DocumentBuilderFactory.newInstance</a:t>
+            </a:r>
+            <a:r>
+              <a:rPr lang="en-US" dirty="0"/>
+              <a:t>();</a:t>
+            </a:r>
+          </a:p>
+          <a:p>
+            <a:r>
+              <a:rPr lang="en-US" dirty="0"/>
+              <a:t>FEATURE = "http://xml.org/sax/features/external-parameter-entities";</a:t>
+            </a:r>
+          </a:p>
+          <a:p>
+            <a:r>
+              <a:rPr lang="en-US" dirty="0" err="1"/>
+              <a:t>dbf.setFeature</a:t>
+            </a:r>
+            <a:r>
+              <a:rPr lang="en-US" dirty="0"/>
+              <a:t>(FEATURE, false);</a:t>
+            </a:r>
+          </a:p>
+          <a:p>
+            <a:r>
+              <a:rPr lang="en-US" dirty="0" err="1"/>
+              <a:t>dbf.setXIncludeAware</a:t>
+            </a:r>
+            <a:r>
+              <a:rPr lang="en-US" dirty="0"/>
+              <a:t>(false);</a:t>
+            </a:r>
+          </a:p>
+          <a:p>
+            <a:r>
+              <a:rPr lang="en-US" dirty="0" err="1"/>
+              <a:t>dbf.setExpandEntityReferences</a:t>
+            </a:r>
+            <a:r>
+              <a:rPr lang="en-US" dirty="0"/>
+              <a:t>(false);</a:t>
+            </a:r>
+          </a:p>
+        </p:txBody>
+      </p:sp>
+      <p:sp>
+        <p:nvSpPr>
+          <p:cNvPr id="5" name="Rectangle 4"/>
+          <p:cNvSpPr/>
+          <p:nvPr/>
+        </p:nvSpPr>
+        <p:spPr>
+          <a:xfrm>
+            <a:off x="1066800" y="5562600"/>
+            <a:ext cx="7086600" cy="685800"/>
+          </a:xfrm>
+          <a:prstGeom prst="rect">
+            <a:avLst/>
+          </a:prstGeom>
+        </p:spPr>
+        <p:style>
+          <a:lnRef idx="2">
+            <a:schemeClr val="accent5">
+              <a:shade val="50000"/>
+            </a:schemeClr>
+          </a:lnRef>
+          <a:fillRef idx="1">
+            <a:schemeClr val="accent5"/>
+          </a:fillRef>
+          <a:effectRef idx="0">
+            <a:schemeClr val="accent5"/>
+          </a:effectRef>
+          <a:fontRef idx="minor">
+            <a:schemeClr val="lt1"/>
+          </a:fontRef>
+        </p:style>
+        <p:txBody>
+          <a:bodyPr rtlCol="0" anchor="ctr"/>
+          <a:lstStyle/>
+          <a:p>
+            <a:pPr algn="ctr"/>
+            <a:r>
+              <a:rPr lang="en-US" dirty="0" err="1"/>
+              <a:t>xmlInputFactory.setProperty</a:t>
+            </a:r>
+            <a:r>
+              <a:rPr lang="en-US" dirty="0"/>
+              <a:t>(</a:t>
+            </a:r>
+            <a:r>
+              <a:rPr lang="en-US" dirty="0" err="1"/>
+              <a:t>XMLInputFactory.SUPPORT_DTD</a:t>
+            </a:r>
+            <a:r>
+              <a:rPr lang="en-US" dirty="0"/>
+              <a:t>, false);</a:t>
+            </a:r>
+          </a:p>
+        </p:txBody>
+      </p:sp>
+    </p:spTree>
+    <p:extLst>
+      <p:ext uri="{BB962C8B-B14F-4D97-AF65-F5344CB8AC3E}">
+        <p14:creationId xmlns:p14="http://schemas.microsoft.com/office/powerpoint/2010/main" val="3007059530"/>
+      </p:ext>
+    </p:extLst>
+  </p:cSld>
+  <p:clrMapOvr>
+    <a:masterClrMapping/>
+  </p:clrMapOvr>
+</p:sld>
+</file>
+
+<file path=ppt/slides/slide46.xml><?xml version="1.0" encoding="utf-8"?>
+<p:sld xmlns:a="http://schemas.openxmlformats.org/drawingml/2006/main" xmlns:r="http://schemas.openxmlformats.org/officeDocument/2006/relationships" xmlns:p="http://schemas.openxmlformats.org/presentationml/2006/main">
+  <p:cSld>
+    <p:spTree>
+      <p:nvGrpSpPr>
+        <p:cNvPr id="1" name=""/>
+        <p:cNvGrpSpPr/>
+        <p:nvPr/>
+      </p:nvGrpSpPr>
+      <p:grpSpPr>
+        <a:xfrm>
+          <a:off x="0" y="0"/>
+          <a:ext cx="0" cy="0"/>
+          <a:chOff x="0" y="0"/>
+          <a:chExt cx="0" cy="0"/>
+        </a:xfrm>
+      </p:grpSpPr>
+      <p:sp>
+        <p:nvSpPr>
+          <p:cNvPr id="2" name="Title 1"/>
+          <p:cNvSpPr>
+            <a:spLocks noGrp="1"/>
+          </p:cNvSpPr>
+          <p:nvPr>
+            <p:ph type="title"/>
+          </p:nvPr>
+        </p:nvSpPr>
+        <p:spPr/>
+        <p:txBody>
+          <a:bodyPr/>
+          <a:lstStyle/>
+          <a:p>
+            <a:r>
+              <a:rPr lang="en-US" dirty="0"/>
+              <a:t>Disable XML External Entity </a:t>
+            </a:r>
+          </a:p>
+        </p:txBody>
+      </p:sp>
+      <p:sp>
+        <p:nvSpPr>
+          <p:cNvPr id="3" name="Content Placeholder 2"/>
+          <p:cNvSpPr>
+            <a:spLocks noGrp="1"/>
+          </p:cNvSpPr>
+          <p:nvPr>
+            <p:ph idx="1"/>
+          </p:nvPr>
+        </p:nvSpPr>
+        <p:spPr>
+          <a:xfrm>
+            <a:off x="449263" y="1598613"/>
+            <a:ext cx="8229600" cy="4308872"/>
+          </a:xfrm>
+        </p:spPr>
+        <p:txBody>
+          <a:bodyPr/>
+          <a:lstStyle/>
+          <a:p>
+            <a:r>
+              <a:rPr lang="en-US" dirty="0" smtClean="0"/>
+              <a:t>ASP.NET 3.5</a:t>
+            </a:r>
+          </a:p>
+          <a:p>
+            <a:pPr lvl="1"/>
+            <a:r>
+              <a:rPr lang="en-US" dirty="0" smtClean="0"/>
+              <a:t>Lib </a:t>
+            </a:r>
+            <a:r>
+              <a:rPr lang="en-US" dirty="0" err="1" smtClean="0"/>
+              <a:t>XmlTextReader</a:t>
+            </a:r>
+            <a:endParaRPr lang="en-US" dirty="0" smtClean="0"/>
+          </a:p>
+          <a:p>
+            <a:pPr lvl="1"/>
+            <a:endParaRPr lang="en-US" dirty="0"/>
+          </a:p>
+          <a:p>
+            <a:pPr lvl="1"/>
+            <a:endParaRPr lang="en-US" dirty="0" smtClean="0"/>
+          </a:p>
+          <a:p>
+            <a:pPr lvl="1"/>
+            <a:r>
+              <a:rPr lang="en-US" dirty="0" smtClean="0"/>
+              <a:t>Lib </a:t>
+            </a:r>
+            <a:r>
+              <a:rPr lang="en-US" dirty="0" err="1" smtClean="0"/>
+              <a:t>XmlReader</a:t>
+            </a:r>
+            <a:endParaRPr lang="en-US" dirty="0" smtClean="0"/>
+          </a:p>
+          <a:p>
+            <a:endParaRPr lang="en-US" dirty="0" smtClean="0"/>
+          </a:p>
+          <a:p>
+            <a:endParaRPr lang="en-US" dirty="0" smtClean="0"/>
+          </a:p>
+          <a:p>
+            <a:r>
+              <a:rPr lang="en-US" dirty="0" smtClean="0"/>
+              <a:t>ASP.NET 4.0</a:t>
+            </a:r>
+          </a:p>
+          <a:p>
+            <a:pPr lvl="1"/>
+            <a:r>
+              <a:rPr lang="en-US" dirty="0" err="1"/>
+              <a:t>XmlReader</a:t>
+            </a:r>
+            <a:endParaRPr lang="en-US" dirty="0"/>
+          </a:p>
+          <a:p>
+            <a:endParaRPr lang="en-US" dirty="0"/>
+          </a:p>
+        </p:txBody>
+      </p:sp>
+      <p:sp>
+        <p:nvSpPr>
+          <p:cNvPr id="4" name="Rectangle 3"/>
+          <p:cNvSpPr/>
+          <p:nvPr/>
+        </p:nvSpPr>
+        <p:spPr>
+          <a:xfrm>
+            <a:off x="1752600" y="2438400"/>
+            <a:ext cx="6096000" cy="685800"/>
+          </a:xfrm>
+          <a:prstGeom prst="rect">
+            <a:avLst/>
+          </a:prstGeom>
+        </p:spPr>
+        <p:style>
+          <a:lnRef idx="2">
+            <a:schemeClr val="accent5">
+              <a:shade val="50000"/>
+            </a:schemeClr>
+          </a:lnRef>
+          <a:fillRef idx="1">
+            <a:schemeClr val="accent5"/>
+          </a:fillRef>
+          <a:effectRef idx="0">
+            <a:schemeClr val="accent5"/>
+          </a:effectRef>
+          <a:fontRef idx="minor">
+            <a:schemeClr val="lt1"/>
+          </a:fontRef>
+        </p:style>
+        <p:txBody>
+          <a:bodyPr rtlCol="0" anchor="ctr"/>
+          <a:lstStyle/>
+          <a:p>
+            <a:r>
+              <a:rPr lang="en-US" dirty="0" err="1"/>
+              <a:t>XmlTextReader</a:t>
+            </a:r>
+            <a:r>
+              <a:rPr lang="en-US" dirty="0"/>
+              <a:t> reader = new </a:t>
+            </a:r>
+            <a:r>
+              <a:rPr lang="en-US" dirty="0" err="1"/>
+              <a:t>XmlTextReader</a:t>
+            </a:r>
+            <a:r>
+              <a:rPr lang="en-US" dirty="0"/>
+              <a:t>(stream); </a:t>
+            </a:r>
+          </a:p>
+          <a:p>
+            <a:r>
+              <a:rPr lang="en-US" dirty="0" err="1"/>
+              <a:t>reader.ProhibitDtd</a:t>
+            </a:r>
+            <a:r>
+              <a:rPr lang="en-US" dirty="0"/>
+              <a:t> = true;</a:t>
+            </a:r>
+          </a:p>
+        </p:txBody>
+      </p:sp>
+      <p:sp>
+        <p:nvSpPr>
+          <p:cNvPr id="5" name="Rectangle 4"/>
+          <p:cNvSpPr/>
+          <p:nvPr/>
+        </p:nvSpPr>
+        <p:spPr>
+          <a:xfrm>
+            <a:off x="1752600" y="3581400"/>
+            <a:ext cx="6096000" cy="838200"/>
+          </a:xfrm>
+          <a:prstGeom prst="rect">
+            <a:avLst/>
+          </a:prstGeom>
+        </p:spPr>
+        <p:style>
+          <a:lnRef idx="2">
+            <a:schemeClr val="accent5">
+              <a:shade val="50000"/>
+            </a:schemeClr>
+          </a:lnRef>
+          <a:fillRef idx="1">
+            <a:schemeClr val="accent5"/>
+          </a:fillRef>
+          <a:effectRef idx="0">
+            <a:schemeClr val="accent5"/>
+          </a:effectRef>
+          <a:fontRef idx="minor">
+            <a:schemeClr val="lt1"/>
+          </a:fontRef>
+        </p:style>
+        <p:txBody>
+          <a:bodyPr rtlCol="0" anchor="ctr"/>
+          <a:lstStyle/>
+          <a:p>
+            <a:r>
+              <a:rPr lang="en-US" dirty="0" err="1"/>
+              <a:t>XmlReaderSettings</a:t>
+            </a:r>
+            <a:r>
+              <a:rPr lang="en-US" dirty="0"/>
+              <a:t> settings = new </a:t>
+            </a:r>
+            <a:r>
+              <a:rPr lang="en-US" dirty="0" err="1"/>
+              <a:t>XmlReaderSettings</a:t>
+            </a:r>
+            <a:r>
+              <a:rPr lang="en-US" dirty="0"/>
+              <a:t>(); </a:t>
+            </a:r>
+          </a:p>
+          <a:p>
+            <a:r>
+              <a:rPr lang="en-US" dirty="0" err="1"/>
+              <a:t>settings.ProhibitDtd</a:t>
+            </a:r>
+            <a:r>
+              <a:rPr lang="en-US" dirty="0"/>
+              <a:t> = true; </a:t>
+            </a:r>
+          </a:p>
+          <a:p>
+            <a:r>
+              <a:rPr lang="en-US" dirty="0" err="1"/>
+              <a:t>XmlReader</a:t>
+            </a:r>
+            <a:r>
+              <a:rPr lang="en-US" dirty="0"/>
+              <a:t> reader = </a:t>
+            </a:r>
+            <a:r>
+              <a:rPr lang="en-US" dirty="0" err="1"/>
+              <a:t>XmlReader.Create</a:t>
+            </a:r>
+            <a:r>
+              <a:rPr lang="en-US" dirty="0"/>
+              <a:t>(stream, settings);</a:t>
+            </a:r>
+          </a:p>
+        </p:txBody>
+      </p:sp>
+      <p:sp>
+        <p:nvSpPr>
+          <p:cNvPr id="6" name="Rectangle 5"/>
+          <p:cNvSpPr/>
+          <p:nvPr/>
+        </p:nvSpPr>
+        <p:spPr>
+          <a:xfrm>
+            <a:off x="1752600" y="5410200"/>
+            <a:ext cx="6096000" cy="1066800"/>
+          </a:xfrm>
+          <a:prstGeom prst="rect">
+            <a:avLst/>
+          </a:prstGeom>
+        </p:spPr>
+        <p:style>
+          <a:lnRef idx="2">
+            <a:schemeClr val="accent5">
+              <a:shade val="50000"/>
+            </a:schemeClr>
+          </a:lnRef>
+          <a:fillRef idx="1">
+            <a:schemeClr val="accent5"/>
+          </a:fillRef>
+          <a:effectRef idx="0">
+            <a:schemeClr val="accent5"/>
+          </a:effectRef>
+          <a:fontRef idx="minor">
+            <a:schemeClr val="lt1"/>
+          </a:fontRef>
+        </p:style>
+        <p:txBody>
+          <a:bodyPr rtlCol="0" anchor="ctr"/>
+          <a:lstStyle/>
+          <a:p>
+            <a:r>
+              <a:rPr lang="en-US" dirty="0" err="1"/>
+              <a:t>XmlReaderSettings</a:t>
+            </a:r>
+            <a:r>
+              <a:rPr lang="en-US" dirty="0"/>
+              <a:t> settings = new </a:t>
+            </a:r>
+            <a:r>
+              <a:rPr lang="en-US" dirty="0" err="1"/>
+              <a:t>XmlReaderSettings</a:t>
+            </a:r>
+            <a:r>
+              <a:rPr lang="en-US" dirty="0"/>
+              <a:t>(); </a:t>
+            </a:r>
+          </a:p>
+          <a:p>
+            <a:r>
+              <a:rPr lang="en-US" dirty="0" err="1"/>
+              <a:t>settings.DtdProcessing</a:t>
+            </a:r>
+            <a:r>
+              <a:rPr lang="en-US" dirty="0"/>
+              <a:t> = </a:t>
+            </a:r>
+            <a:r>
+              <a:rPr lang="en-US" dirty="0" err="1"/>
+              <a:t>DtdProcessing.Prohibit</a:t>
+            </a:r>
+            <a:r>
+              <a:rPr lang="en-US" dirty="0"/>
+              <a:t>; </a:t>
+            </a:r>
+          </a:p>
+          <a:p>
+            <a:r>
+              <a:rPr lang="en-US" dirty="0" err="1"/>
+              <a:t>XmlReader</a:t>
+            </a:r>
+            <a:r>
+              <a:rPr lang="en-US" dirty="0"/>
+              <a:t> reader = </a:t>
+            </a:r>
+            <a:r>
+              <a:rPr lang="en-US" dirty="0" err="1"/>
+              <a:t>XmlReader.Create</a:t>
+            </a:r>
+            <a:r>
+              <a:rPr lang="en-US" dirty="0"/>
+              <a:t>(stream, settings);</a:t>
+            </a:r>
+          </a:p>
+        </p:txBody>
+      </p:sp>
+    </p:spTree>
+    <p:extLst>
+      <p:ext uri="{BB962C8B-B14F-4D97-AF65-F5344CB8AC3E}">
+        <p14:creationId xmlns:p14="http://schemas.microsoft.com/office/powerpoint/2010/main" val="1436989149"/>
+      </p:ext>
+    </p:extLst>
+  </p:cSld>
+  <p:clrMapOvr>
+    <a:masterClrMapping/>
+  </p:clrMapOvr>
+</p:sld>
+</file>
+
+<file path=ppt/slides/slide47.xml><?xml version="1.0" encoding="utf-8"?>
 <p:sld xmlns:a="http://schemas.openxmlformats.org/drawingml/2006/main" xmlns:r="http://schemas.openxmlformats.org/officeDocument/2006/relationships" xmlns:p="http://schemas.openxmlformats.org/presentationml/2006/main">
   <p:cSld>
     <p:spTree>
@@ -11061,7 +12504,7 @@
 </p:sld>
 </file>
 
-<file path=ppt/slides/slide42.xml><?xml version="1.0" encoding="utf-8"?>
+<file path=ppt/slides/slide48.xml><?xml version="1.0" encoding="utf-8"?>
 <p:sld xmlns:a="http://schemas.openxmlformats.org/drawingml/2006/main" xmlns:r="http://schemas.openxmlformats.org/officeDocument/2006/relationships" xmlns:p="http://schemas.openxmlformats.org/presentationml/2006/main">
   <p:cSld>
     <p:spTree>
@@ -11080,6 +12523,70 @@
       </p:grpSpPr>
       <p:sp>
         <p:nvSpPr>
+          <p:cNvPr id="11" name="Title 10"/>
+          <p:cNvSpPr>
+            <a:spLocks noGrp="1"/>
+          </p:cNvSpPr>
+          <p:nvPr>
+            <p:ph type="title"/>
+          </p:nvPr>
+        </p:nvSpPr>
+        <p:spPr/>
+        <p:txBody>
+          <a:bodyPr/>
+          <a:lstStyle/>
+          <a:p>
+            <a:pPr lvl="0"/>
+            <a:r>
+              <a:rPr lang="en-US" dirty="0" smtClean="0"/>
+              <a:t>Exercise</a:t>
+            </a:r>
+            <a:endParaRPr lang="en-US" dirty="0"/>
+          </a:p>
+        </p:txBody>
+      </p:sp>
+    </p:spTree>
+    <p:extLst>
+      <p:ext uri="{BB962C8B-B14F-4D97-AF65-F5344CB8AC3E}">
+        <p14:creationId xmlns:p14="http://schemas.microsoft.com/office/powerpoint/2010/main" val="1021564090"/>
+      </p:ext>
+    </p:extLst>
+  </p:cSld>
+  <p:clrMapOvr>
+    <a:masterClrMapping/>
+  </p:clrMapOvr>
+  <p:transition>
+    <p:wipe dir="r"/>
+  </p:transition>
+  <p:timing>
+    <p:tnLst>
+      <p:par>
+        <p:cTn id="1" dur="indefinite" restart="never" nodeType="tmRoot"/>
+      </p:par>
+    </p:tnLst>
+  </p:timing>
+</p:sld>
+</file>
+
+<file path=ppt/slides/slide49.xml><?xml version="1.0" encoding="utf-8"?>
+<p:sld xmlns:a="http://schemas.openxmlformats.org/drawingml/2006/main" xmlns:r="http://schemas.openxmlformats.org/officeDocument/2006/relationships" xmlns:p="http://schemas.openxmlformats.org/presentationml/2006/main">
+  <p:cSld>
+    <p:spTree>
+      <p:nvGrpSpPr>
+        <p:cNvPr id="1" name=""/>
+        <p:cNvGrpSpPr/>
+        <p:nvPr/>
+      </p:nvGrpSpPr>
+      <p:grpSpPr>
+        <a:xfrm>
+          <a:off x="0" y="0"/>
+          <a:ext cx="0" cy="0"/>
+          <a:chOff x="0" y="0"/>
+          <a:chExt cx="0" cy="0"/>
+        </a:xfrm>
+      </p:grpSpPr>
+      <p:sp>
+        <p:nvSpPr>
           <p:cNvPr id="6" name="Title 5"/>
           <p:cNvSpPr>
             <a:spLocks noGrp="1"/>
@@ -11124,7 +12631,15 @@
           <a:p>
             <a:r>
               <a:rPr lang="en-US" dirty="0" smtClean="0"/>
-              <a:t>End of Part 3</a:t>
+              <a:t>End of </a:t>
+            </a:r>
+            <a:r>
+              <a:rPr lang="en-US" smtClean="0"/>
+              <a:t>Part </a:t>
+            </a:r>
+            <a:r>
+              <a:rPr lang="en-US" smtClean="0"/>
+              <a:t>5</a:t>
             </a:r>
             <a:endParaRPr lang="en-US" dirty="0"/>
           </a:p>
